--- a/MD Presentation.pptx
+++ b/MD Presentation.pptx
@@ -111,7 +111,16 @@
       </a:defRPr>
     </a:lvl9pPr>
   </p:defaultTextStyle>
+  <p:extLst>
+    <p:ext uri="{EFAFB233-063F-42B5-8137-9DF3F51BA10A}">
+      <p15:sldGuideLst xmlns:p15="http://schemas.microsoft.com/office/powerpoint/2012/main"/>
+    </p:ext>
+  </p:extLst>
 </p:presentation>
+</file>
+
+<file path=ppt/revisionInfo.xml><?xml version="1.0" encoding="utf-8"?>
+<p1510:revInfo xmlns:a="http://schemas.openxmlformats.org/drawingml/2006/main" xmlns:r="http://schemas.openxmlformats.org/officeDocument/2006/relationships" xmlns:p1510="http://schemas.microsoft.com/office/powerpoint/2015/10/main"/>
 </file>
 
 <file path=ppt/charts/chart1.xml><?xml version="1.0" encoding="utf-8"?>
@@ -1847,7 +1856,7 @@
           <a:p>
             <a:fld id="{50532D89-F57B-4449-8882-B1812CFF2C35}" type="datetimeFigureOut">
               <a:rPr lang="en-US" smtClean="0"/>
-              <a:t>12/11/2017</a:t>
+              <a:t>12/12/2017</a:t>
             </a:fld>
             <a:endParaRPr lang="en-US"/>
           </a:p>
@@ -2045,7 +2054,7 @@
           <a:p>
             <a:fld id="{50532D89-F57B-4449-8882-B1812CFF2C35}" type="datetimeFigureOut">
               <a:rPr lang="en-US" smtClean="0"/>
-              <a:t>12/11/2017</a:t>
+              <a:t>12/12/2017</a:t>
             </a:fld>
             <a:endParaRPr lang="en-US"/>
           </a:p>
@@ -2253,7 +2262,7 @@
           <a:p>
             <a:fld id="{50532D89-F57B-4449-8882-B1812CFF2C35}" type="datetimeFigureOut">
               <a:rPr lang="en-US" smtClean="0"/>
-              <a:t>12/11/2017</a:t>
+              <a:t>12/12/2017</a:t>
             </a:fld>
             <a:endParaRPr lang="en-US"/>
           </a:p>
@@ -2451,7 +2460,7 @@
           <a:p>
             <a:fld id="{50532D89-F57B-4449-8882-B1812CFF2C35}" type="datetimeFigureOut">
               <a:rPr lang="en-US" smtClean="0"/>
-              <a:t>12/11/2017</a:t>
+              <a:t>12/12/2017</a:t>
             </a:fld>
             <a:endParaRPr lang="en-US"/>
           </a:p>
@@ -2726,7 +2735,7 @@
           <a:p>
             <a:fld id="{50532D89-F57B-4449-8882-B1812CFF2C35}" type="datetimeFigureOut">
               <a:rPr lang="en-US" smtClean="0"/>
-              <a:t>12/11/2017</a:t>
+              <a:t>12/12/2017</a:t>
             </a:fld>
             <a:endParaRPr lang="en-US"/>
           </a:p>
@@ -2991,7 +3000,7 @@
           <a:p>
             <a:fld id="{50532D89-F57B-4449-8882-B1812CFF2C35}" type="datetimeFigureOut">
               <a:rPr lang="en-US" smtClean="0"/>
-              <a:t>12/11/2017</a:t>
+              <a:t>12/12/2017</a:t>
             </a:fld>
             <a:endParaRPr lang="en-US"/>
           </a:p>
@@ -3403,7 +3412,7 @@
           <a:p>
             <a:fld id="{50532D89-F57B-4449-8882-B1812CFF2C35}" type="datetimeFigureOut">
               <a:rPr lang="en-US" smtClean="0"/>
-              <a:t>12/11/2017</a:t>
+              <a:t>12/12/2017</a:t>
             </a:fld>
             <a:endParaRPr lang="en-US"/>
           </a:p>
@@ -3544,7 +3553,7 @@
           <a:p>
             <a:fld id="{50532D89-F57B-4449-8882-B1812CFF2C35}" type="datetimeFigureOut">
               <a:rPr lang="en-US" smtClean="0"/>
-              <a:t>12/11/2017</a:t>
+              <a:t>12/12/2017</a:t>
             </a:fld>
             <a:endParaRPr lang="en-US"/>
           </a:p>
@@ -3657,7 +3666,7 @@
           <a:p>
             <a:fld id="{50532D89-F57B-4449-8882-B1812CFF2C35}" type="datetimeFigureOut">
               <a:rPr lang="en-US" smtClean="0"/>
-              <a:t>12/11/2017</a:t>
+              <a:t>12/12/2017</a:t>
             </a:fld>
             <a:endParaRPr lang="en-US"/>
           </a:p>
@@ -3968,7 +3977,7 @@
           <a:p>
             <a:fld id="{50532D89-F57B-4449-8882-B1812CFF2C35}" type="datetimeFigureOut">
               <a:rPr lang="en-US" smtClean="0"/>
-              <a:t>12/11/2017</a:t>
+              <a:t>12/12/2017</a:t>
             </a:fld>
             <a:endParaRPr lang="en-US"/>
           </a:p>
@@ -4256,7 +4265,7 @@
           <a:p>
             <a:fld id="{50532D89-F57B-4449-8882-B1812CFF2C35}" type="datetimeFigureOut">
               <a:rPr lang="en-US" smtClean="0"/>
-              <a:t>12/11/2017</a:t>
+              <a:t>12/12/2017</a:t>
             </a:fld>
             <a:endParaRPr lang="en-US"/>
           </a:p>
@@ -4497,7 +4506,7 @@
           <a:p>
             <a:fld id="{50532D89-F57B-4449-8882-B1812CFF2C35}" type="datetimeFigureOut">
               <a:rPr lang="en-US" smtClean="0"/>
-              <a:t>12/11/2017</a:t>
+              <a:t>12/12/2017</a:t>
             </a:fld>
             <a:endParaRPr lang="en-US"/>
           </a:p>
@@ -5028,8 +5037,8 @@
           </a:p>
         </p:txBody>
       </p:sp>
-      <mc:AlternateContent xmlns:mc="http://schemas.openxmlformats.org/markup-compatibility/2006">
-        <mc:Choice xmlns:a14="http://schemas.microsoft.com/office/drawing/2010/main" Requires="a14">
+      <mc:AlternateContent xmlns:mc="http://schemas.openxmlformats.org/markup-compatibility/2006" xmlns:a14="http://schemas.microsoft.com/office/drawing/2010/main">
+        <mc:Choice Requires="a14">
           <p:sp>
             <p:nvSpPr>
               <p:cNvPr id="3" name="Content Placeholder 2">
@@ -5858,7 +5867,7 @@
             </p:txBody>
           </p:sp>
         </mc:Choice>
-        <mc:Fallback>
+        <mc:Fallback xmlns="">
           <p:sp>
             <p:nvSpPr>
               <p:cNvPr id="3" name="Content Placeholder 2">
@@ -6727,7 +6736,7 @@
         </p:spPr>
         <p:txBody>
           <a:bodyPr>
-            <a:normAutofit lnSpcReduction="10000"/>
+            <a:normAutofit fontScale="92500" lnSpcReduction="10000"/>
           </a:bodyPr>
           <a:lstStyle/>
           <a:p>
@@ -6779,21 +6788,14 @@
             <a:pPr lvl="1"/>
             <a:r>
               <a:rPr lang="en-US" dirty="0"/>
-              <a:t>Seems like a common problem (just from Googling it) but for various reasons</a:t>
-            </a:r>
-          </a:p>
-          <a:p>
-            <a:pPr lvl="1"/>
+              <a:t>@parallel does see some speed up when 3 or 9 workers are used versus when 1 process is used</a:t>
+            </a:r>
+          </a:p>
+          <a:p>
+            <a:pPr lvl="2"/>
             <a:r>
               <a:rPr lang="en-US" dirty="0"/>
-              <a:t>@parallel does see some speed up when 3 or 9 workers are used versus when 1 process is used</a:t>
-            </a:r>
-          </a:p>
-          <a:p>
-            <a:pPr lvl="2"/>
-            <a:r>
-              <a:rPr lang="en-US" dirty="0"/>
-              <a:t>Fastest is 3 workers – makes sense b/c 9 workers is more than the number of threads</a:t>
+              <a:t>Fastest is 3 workers </a:t>
             </a:r>
           </a:p>
           <a:p>
@@ -6804,10 +6806,17 @@
             </a:r>
           </a:p>
           <a:p>
+            <a:pPr lvl="1"/>
+            <a:r>
+              <a:rPr lang="en-US" dirty="0"/>
+              <a:t>Don’t see any change when number of threads are changed from 4 to 8</a:t>
+            </a:r>
+          </a:p>
+          <a:p>
             <a:pPr lvl="2"/>
             <a:r>
               <a:rPr lang="en-US" dirty="0"/>
-              <a:t>Oddly, don’t see any change when number of threads are changed from 4 to 8</a:t>
+              <a:t>According to Julia documentation, currently all workers are scheduled on one CPU thread so only really get speedup if extremely I/O bound</a:t>
             </a:r>
           </a:p>
           <a:p>
